--- a/Slides/Lecture 5.pptx
+++ b/Slides/Lecture 5.pptx
@@ -5870,6 +5870,11 @@
               </a:rPr>
               <a:t>Lecture 5:</a:t>
             </a:r>
+            <a:endParaRPr lang="en-US" sz="4000" dirty="0">
+              <a:solidFill>
+                <a:schemeClr val="accent1"/>
+              </a:solidFill>
+            </a:endParaRPr>
           </a:p>
           <a:p>
             <a:pPr lvl="1"/>
@@ -5879,7 +5884,7 @@
                   <a:schemeClr val="accent1"/>
                 </a:solidFill>
               </a:rPr>
-              <a:t> Advanced Features of the Pthreads Library</a:t>
+              <a:t> Design Models for Multithreaded Program	</a:t>
             </a:r>
           </a:p>
           <a:p>
@@ -5890,7 +5895,7 @@
                   <a:schemeClr val="accent1"/>
                 </a:solidFill>
               </a:rPr>
-              <a:t> Design Models for Multithreaded Program	</a:t>
+              <a:t>Additional Features of the Pthreads Library</a:t>
             </a:r>
           </a:p>
           <a:p>
@@ -6442,8 +6447,8 @@
           </a:p>
         </p:txBody>
       </p:sp>
-      <mc:AlternateContent xmlns:mc="http://schemas.openxmlformats.org/markup-compatibility/2006">
-        <mc:Choice xmlns:a14="http://schemas.microsoft.com/office/drawing/2010/main" Requires="a14">
+      <mc:AlternateContent xmlns:mc="http://schemas.openxmlformats.org/markup-compatibility/2006" xmlns:a14="http://schemas.microsoft.com/office/drawing/2010/main">
+        <mc:Choice Requires="a14">
           <p:sp>
             <p:nvSpPr>
               <p:cNvPr id="3" name="Content Placeholder 2">
@@ -6833,7 +6838,7 @@
             </p:txBody>
           </p:sp>
         </mc:Choice>
-        <mc:Fallback>
+        <mc:Fallback xmlns="">
           <p:sp>
             <p:nvSpPr>
               <p:cNvPr id="3" name="Content Placeholder 2">
@@ -6936,8 +6941,8 @@
           </a:p>
         </p:txBody>
       </p:sp>
-      <mc:AlternateContent xmlns:mc="http://schemas.openxmlformats.org/markup-compatibility/2006">
-        <mc:Choice xmlns:a14="http://schemas.microsoft.com/office/drawing/2010/main" Requires="a14">
+      <mc:AlternateContent xmlns:mc="http://schemas.openxmlformats.org/markup-compatibility/2006" xmlns:a14="http://schemas.microsoft.com/office/drawing/2010/main">
+        <mc:Choice Requires="a14">
           <p:sp>
             <p:nvSpPr>
               <p:cNvPr id="3" name="Content Placeholder 2">
@@ -7330,7 +7335,7 @@
             </p:txBody>
           </p:sp>
         </mc:Choice>
-        <mc:Fallback>
+        <mc:Fallback xmlns="">
           <p:sp>
             <p:nvSpPr>
               <p:cNvPr id="3" name="Content Placeholder 2">
@@ -8426,8 +8431,8 @@
           </a:p>
         </p:txBody>
       </p:sp>
-      <mc:AlternateContent xmlns:mc="http://schemas.openxmlformats.org/markup-compatibility/2006">
-        <mc:Choice xmlns:a14="http://schemas.microsoft.com/office/drawing/2010/main" Requires="a14">
+      <mc:AlternateContent xmlns:mc="http://schemas.openxmlformats.org/markup-compatibility/2006" xmlns:a14="http://schemas.microsoft.com/office/drawing/2010/main">
+        <mc:Choice Requires="a14">
           <p:sp>
             <p:nvSpPr>
               <p:cNvPr id="3" name="Content Placeholder 2">
@@ -8676,7 +8681,7 @@
             </p:txBody>
           </p:sp>
         </mc:Choice>
-        <mc:Fallback>
+        <mc:Fallback xmlns="">
           <p:sp>
             <p:nvSpPr>
               <p:cNvPr id="3" name="Content Placeholder 2">
@@ -8778,8 +8783,8 @@
           </a:p>
         </p:txBody>
       </p:sp>
-      <mc:AlternateContent xmlns:mc="http://schemas.openxmlformats.org/markup-compatibility/2006">
-        <mc:Choice xmlns:a14="http://schemas.microsoft.com/office/drawing/2010/main" Requires="a14">
+      <mc:AlternateContent xmlns:mc="http://schemas.openxmlformats.org/markup-compatibility/2006" xmlns:a14="http://schemas.microsoft.com/office/drawing/2010/main">
+        <mc:Choice Requires="a14">
           <p:sp>
             <p:nvSpPr>
               <p:cNvPr id="3" name="Content Placeholder 2">
@@ -8974,7 +8979,7 @@
             </p:txBody>
           </p:sp>
         </mc:Choice>
-        <mc:Fallback>
+        <mc:Fallback xmlns="">
           <p:sp>
             <p:nvSpPr>
               <p:cNvPr id="3" name="Content Placeholder 2">
@@ -9412,8 +9417,8 @@
           </a:p>
         </p:txBody>
       </p:sp>
-      <mc:AlternateContent xmlns:mc="http://schemas.openxmlformats.org/markup-compatibility/2006">
-        <mc:Choice xmlns:a14="http://schemas.microsoft.com/office/drawing/2010/main" Requires="a14">
+      <mc:AlternateContent xmlns:mc="http://schemas.openxmlformats.org/markup-compatibility/2006" xmlns:a14="http://schemas.microsoft.com/office/drawing/2010/main">
+        <mc:Choice Requires="a14">
           <p:sp>
             <p:nvSpPr>
               <p:cNvPr id="3" name="Content Placeholder 2">
@@ -10116,7 +10121,7 @@
             </p:txBody>
           </p:sp>
         </mc:Choice>
-        <mc:Fallback>
+        <mc:Fallback xmlns="">
           <p:sp>
             <p:nvSpPr>
               <p:cNvPr id="3" name="Content Placeholder 2">
@@ -10219,8 +10224,8 @@
           </a:p>
         </p:txBody>
       </p:sp>
-      <mc:AlternateContent xmlns:mc="http://schemas.openxmlformats.org/markup-compatibility/2006">
-        <mc:Choice xmlns:a14="http://schemas.microsoft.com/office/drawing/2010/main" Requires="a14">
+      <mc:AlternateContent xmlns:mc="http://schemas.openxmlformats.org/markup-compatibility/2006" xmlns:a14="http://schemas.microsoft.com/office/drawing/2010/main">
+        <mc:Choice Requires="a14">
           <p:sp>
             <p:nvSpPr>
               <p:cNvPr id="3" name="Content Placeholder 2">
@@ -10427,7 +10432,7 @@
             </p:txBody>
           </p:sp>
         </mc:Choice>
-        <mc:Fallback>
+        <mc:Fallback xmlns="">
           <p:sp>
             <p:nvSpPr>
               <p:cNvPr id="3" name="Content Placeholder 2">
@@ -10850,8 +10855,8 @@
           </a:p>
         </p:txBody>
       </p:sp>
-      <mc:AlternateContent xmlns:mc="http://schemas.openxmlformats.org/markup-compatibility/2006">
-        <mc:Choice xmlns:a14="http://schemas.microsoft.com/office/drawing/2010/main" Requires="a14">
+      <mc:AlternateContent xmlns:mc="http://schemas.openxmlformats.org/markup-compatibility/2006" xmlns:a14="http://schemas.microsoft.com/office/drawing/2010/main">
+        <mc:Choice Requires="a14">
           <p:sp>
             <p:nvSpPr>
               <p:cNvPr id="3" name="Content Placeholder 2">
@@ -11300,7 +11305,7 @@
             </p:txBody>
           </p:sp>
         </mc:Choice>
-        <mc:Fallback>
+        <mc:Fallback xmlns="">
           <p:sp>
             <p:nvSpPr>
               <p:cNvPr id="3" name="Content Placeholder 2">
@@ -11403,8 +11408,8 @@
           </a:p>
         </p:txBody>
       </p:sp>
-      <mc:AlternateContent xmlns:mc="http://schemas.openxmlformats.org/markup-compatibility/2006">
-        <mc:Choice xmlns:a14="http://schemas.microsoft.com/office/drawing/2010/main" Requires="a14">
+      <mc:AlternateContent xmlns:mc="http://schemas.openxmlformats.org/markup-compatibility/2006" xmlns:a14="http://schemas.microsoft.com/office/drawing/2010/main">
+        <mc:Choice Requires="a14">
           <p:sp>
             <p:nvSpPr>
               <p:cNvPr id="3" name="Content Placeholder 2">
@@ -11746,7 +11751,7 @@
             </p:txBody>
           </p:sp>
         </mc:Choice>
-        <mc:Fallback>
+        <mc:Fallback xmlns="">
           <p:sp>
             <p:nvSpPr>
               <p:cNvPr id="3" name="Content Placeholder 2">

--- a/Slides/Lecture 5.pptx
+++ b/Slides/Lecture 5.pptx
@@ -249,7 +249,7 @@
           <a:p>
             <a:fld id="{1CB48AD5-CDAE-4B7B-B49D-6DB81FF5A179}" type="datetimeFigureOut">
               <a:rPr lang="en-US" smtClean="0"/>
-              <a:t>2/18/2021</a:t>
+              <a:t>2/24/2021</a:t>
             </a:fld>
             <a:endParaRPr lang="en-US"/>
           </a:p>
@@ -663,7 +663,7 @@
           <a:p>
             <a:fld id="{C4959B56-7D6D-462F-B061-93C9E323EE8A}" type="datetimeFigureOut">
               <a:rPr lang="en-US" smtClean="0"/>
-              <a:t>2/18/2021</a:t>
+              <a:t>2/24/2021</a:t>
             </a:fld>
             <a:endParaRPr lang="en-US"/>
           </a:p>
@@ -861,7 +861,7 @@
           <a:p>
             <a:fld id="{C4959B56-7D6D-462F-B061-93C9E323EE8A}" type="datetimeFigureOut">
               <a:rPr lang="en-US" smtClean="0"/>
-              <a:t>2/18/2021</a:t>
+              <a:t>2/24/2021</a:t>
             </a:fld>
             <a:endParaRPr lang="en-US"/>
           </a:p>
@@ -1069,7 +1069,7 @@
           <a:p>
             <a:fld id="{C4959B56-7D6D-462F-B061-93C9E323EE8A}" type="datetimeFigureOut">
               <a:rPr lang="en-US" smtClean="0"/>
-              <a:t>2/18/2021</a:t>
+              <a:t>2/24/2021</a:t>
             </a:fld>
             <a:endParaRPr lang="en-US"/>
           </a:p>
@@ -1267,7 +1267,7 @@
           <a:p>
             <a:fld id="{C4959B56-7D6D-462F-B061-93C9E323EE8A}" type="datetimeFigureOut">
               <a:rPr lang="en-US" smtClean="0"/>
-              <a:t>2/18/2021</a:t>
+              <a:t>2/24/2021</a:t>
             </a:fld>
             <a:endParaRPr lang="en-US"/>
           </a:p>
@@ -1542,7 +1542,7 @@
           <a:p>
             <a:fld id="{C4959B56-7D6D-462F-B061-93C9E323EE8A}" type="datetimeFigureOut">
               <a:rPr lang="en-US" smtClean="0"/>
-              <a:t>2/18/2021</a:t>
+              <a:t>2/24/2021</a:t>
             </a:fld>
             <a:endParaRPr lang="en-US"/>
           </a:p>
@@ -1807,7 +1807,7 @@
           <a:p>
             <a:fld id="{C4959B56-7D6D-462F-B061-93C9E323EE8A}" type="datetimeFigureOut">
               <a:rPr lang="en-US" smtClean="0"/>
-              <a:t>2/18/2021</a:t>
+              <a:t>2/24/2021</a:t>
             </a:fld>
             <a:endParaRPr lang="en-US"/>
           </a:p>
@@ -2219,7 +2219,7 @@
           <a:p>
             <a:fld id="{C4959B56-7D6D-462F-B061-93C9E323EE8A}" type="datetimeFigureOut">
               <a:rPr lang="en-US" smtClean="0"/>
-              <a:t>2/18/2021</a:t>
+              <a:t>2/24/2021</a:t>
             </a:fld>
             <a:endParaRPr lang="en-US"/>
           </a:p>
@@ -2360,7 +2360,7 @@
           <a:p>
             <a:fld id="{C4959B56-7D6D-462F-B061-93C9E323EE8A}" type="datetimeFigureOut">
               <a:rPr lang="en-US" smtClean="0"/>
-              <a:t>2/18/2021</a:t>
+              <a:t>2/24/2021</a:t>
             </a:fld>
             <a:endParaRPr lang="en-US"/>
           </a:p>
@@ -2473,7 +2473,7 @@
           <a:p>
             <a:fld id="{C4959B56-7D6D-462F-B061-93C9E323EE8A}" type="datetimeFigureOut">
               <a:rPr lang="en-US" smtClean="0"/>
-              <a:t>2/18/2021</a:t>
+              <a:t>2/24/2021</a:t>
             </a:fld>
             <a:endParaRPr lang="en-US"/>
           </a:p>
@@ -2784,7 +2784,7 @@
           <a:p>
             <a:fld id="{C4959B56-7D6D-462F-B061-93C9E323EE8A}" type="datetimeFigureOut">
               <a:rPr lang="en-US" smtClean="0"/>
-              <a:t>2/18/2021</a:t>
+              <a:t>2/24/2021</a:t>
             </a:fld>
             <a:endParaRPr lang="en-US"/>
           </a:p>
@@ -3072,7 +3072,7 @@
           <a:p>
             <a:fld id="{C4959B56-7D6D-462F-B061-93C9E323EE8A}" type="datetimeFigureOut">
               <a:rPr lang="en-US" smtClean="0"/>
-              <a:t>2/18/2021</a:t>
+              <a:t>2/24/2021</a:t>
             </a:fld>
             <a:endParaRPr lang="en-US"/>
           </a:p>
@@ -3313,7 +3313,7 @@
           <a:p>
             <a:fld id="{C4959B56-7D6D-462F-B061-93C9E323EE8A}" type="datetimeFigureOut">
               <a:rPr lang="en-US" smtClean="0"/>
-              <a:t>2/18/2021</a:t>
+              <a:t>2/24/2021</a:t>
             </a:fld>
             <a:endParaRPr lang="en-US"/>
           </a:p>
@@ -3946,9 +3946,9 @@
               <a:t>In </a:t>
             </a:r>
             <a:r>
-              <a:rPr lang="en-US" sz="2000" b="1" i="1" dirty="0">
-                <a:solidFill>
-                  <a:srgbClr val="FF0000"/>
+              <a:rPr lang="en-US" sz="2000" dirty="0">
+                <a:solidFill>
+                  <a:srgbClr val="00B050"/>
                 </a:solidFill>
               </a:rPr>
               <a:t>the peer model</a:t>
@@ -3962,7 +3962,7 @@
               <a:t>,  all the threads work concurrently on their tasks </a:t>
             </a:r>
             <a:r>
-              <a:rPr lang="en-US" sz="2000" b="1" i="1" dirty="0">
+              <a:rPr lang="en-US" sz="2000" dirty="0">
                 <a:solidFill>
                   <a:srgbClr val="FF0000"/>
                 </a:solidFill>
@@ -4342,8 +4342,8 @@
           </a:p>
         </p:txBody>
       </p:sp>
-      <mc:AlternateContent xmlns:mc="http://schemas.openxmlformats.org/markup-compatibility/2006" xmlns:a14="http://schemas.microsoft.com/office/drawing/2010/main">
-        <mc:Choice Requires="a14">
+      <mc:AlternateContent xmlns:mc="http://schemas.openxmlformats.org/markup-compatibility/2006">
+        <mc:Choice xmlns:a14="http://schemas.microsoft.com/office/drawing/2010/main" Requires="a14">
           <p:sp>
             <p:nvSpPr>
               <p:cNvPr id="3" name="Content Placeholder 2">
@@ -4379,7 +4379,7 @@
                   <a:t>The peer model is suitable for applications that have a </a:t>
                 </a:r>
                 <a:r>
-                  <a:rPr lang="en-US" sz="2000" b="1" i="1" dirty="0">
+                  <a:rPr lang="en-US" sz="2000" dirty="0">
                     <a:solidFill>
                       <a:srgbClr val="FF0000"/>
                     </a:solidFill>
@@ -4395,7 +4395,7 @@
                   <a:t> or </a:t>
                 </a:r>
                 <a:r>
-                  <a:rPr lang="en-US" sz="2000" b="1" i="1" dirty="0">
+                  <a:rPr lang="en-US" sz="2000" dirty="0">
                     <a:solidFill>
                       <a:srgbClr val="FF0000"/>
                     </a:solidFill>
@@ -4499,7 +4499,7 @@
             </p:txBody>
           </p:sp>
         </mc:Choice>
-        <mc:Fallback xmlns="">
+        <mc:Fallback>
           <p:sp>
             <p:nvSpPr>
               <p:cNvPr id="3" name="Content Placeholder 2">
@@ -4628,7 +4628,7 @@
               <a:buNone/>
             </a:pPr>
             <a:r>
-              <a:rPr lang="en-US" sz="2000" b="1" i="1" dirty="0">
+              <a:rPr lang="en-US" sz="2000" dirty="0">
                 <a:solidFill>
                   <a:srgbClr val="FF0000"/>
                 </a:solidFill>
@@ -4644,7 +4644,7 @@
               <a:t> </a:t>
             </a:r>
             <a:r>
-              <a:rPr lang="en-US" sz="2000" b="1" i="1" dirty="0">
+              <a:rPr lang="en-US" sz="2000" dirty="0">
                 <a:solidFill>
                   <a:srgbClr val="FF0000"/>
                 </a:solidFill>
@@ -4682,7 +4682,7 @@
               <a:t>a series of suboperations (know as </a:t>
             </a:r>
             <a:r>
-              <a:rPr lang="en-US" sz="2000" b="1" i="1" dirty="0">
+              <a:rPr lang="en-US" sz="2000" dirty="0">
                 <a:solidFill>
                   <a:srgbClr val="FF0000"/>
                 </a:solidFill>
@@ -4754,7 +4754,31 @@
                   <a:schemeClr val="accent1"/>
                 </a:solidFill>
               </a:rPr>
-              <a:t>A pipeline improves </a:t>
+              <a:t>A </a:t>
+            </a:r>
+            <a:r>
+              <a:rPr lang="en-US" sz="2000" dirty="0">
+                <a:solidFill>
+                  <a:srgbClr val="00B050"/>
+                </a:solidFill>
+              </a:rPr>
+              <a:t>pipeline</a:t>
+            </a:r>
+            <a:r>
+              <a:rPr lang="en-US" sz="2000" dirty="0">
+                <a:solidFill>
+                  <a:schemeClr val="accent1"/>
+                </a:solidFill>
+              </a:rPr>
+              <a:t> improves </a:t>
+            </a:r>
+            <a:r>
+              <a:rPr lang="en-US" sz="2000" dirty="0">
+                <a:solidFill>
+                  <a:srgbClr val="FF0000"/>
+                </a:solidFill>
+              </a:rPr>
+              <a:t>throughput</a:t>
             </a:r>
             <a:r>
               <a:rPr lang="en-US" sz="2000" b="1" i="1" dirty="0">
@@ -4762,7 +4786,7 @@
                   <a:srgbClr val="FF0000"/>
                 </a:solidFill>
               </a:rPr>
-              <a:t>throughput </a:t>
+              <a:t> </a:t>
             </a:r>
             <a:r>
               <a:rPr lang="en-US" sz="2000" dirty="0">
@@ -5040,7 +5064,7 @@
               <a:t> a single thread receives input for the entire program, always passing it to the thread that handles the </a:t>
             </a:r>
             <a:r>
-              <a:rPr lang="en-US" sz="2000" b="1" i="1" dirty="0">
+              <a:rPr lang="en-US" sz="2000" dirty="0">
                 <a:solidFill>
                   <a:srgbClr val="FF0000"/>
                 </a:solidFill>
@@ -5084,7 +5108,7 @@
               <a:t>Each thread in between performs its own stage of processing on the input it receives from the thread that performed the </a:t>
             </a:r>
             <a:r>
-              <a:rPr lang="en-US" sz="2000" b="1" i="1" dirty="0">
+              <a:rPr lang="en-US" sz="2000" dirty="0">
                 <a:solidFill>
                   <a:srgbClr val="FF0000"/>
                 </a:solidFill>
@@ -5100,7 +5124,7 @@
               <a:t>, and passes its output to the thread performing the </a:t>
             </a:r>
             <a:r>
-              <a:rPr lang="en-US" sz="2000" b="1" i="1" dirty="0">
+              <a:rPr lang="en-US" sz="2000" dirty="0">
                 <a:solidFill>
                   <a:srgbClr val="FF0000"/>
                 </a:solidFill>
@@ -5243,7 +5267,7 @@
               <a:t>Within any of these models, threads  transfer data to each other using </a:t>
             </a:r>
             <a:r>
-              <a:rPr lang="en-US" sz="2000" b="1" i="1" dirty="0">
+              <a:rPr lang="en-US" sz="2000" dirty="0">
                 <a:solidFill>
                   <a:srgbClr val="FF0000"/>
                 </a:solidFill>
@@ -5316,7 +5340,7 @@
               <a:t>The thread that passes the data to another is known as the </a:t>
             </a:r>
             <a:r>
-              <a:rPr lang="en-US" sz="2000" b="1" i="1" dirty="0">
+              <a:rPr lang="en-US" sz="2000" dirty="0">
                 <a:solidFill>
                   <a:srgbClr val="FF0000"/>
                 </a:solidFill>
@@ -5343,7 +5367,7 @@
               <a:t>The one that receives that data is known as the </a:t>
             </a:r>
             <a:r>
-              <a:rPr lang="en-US" sz="2000" b="1" i="1" dirty="0">
+              <a:rPr lang="en-US" sz="2000" dirty="0">
                 <a:solidFill>
                   <a:srgbClr val="FF0000"/>
                 </a:solidFill>
@@ -5501,7 +5525,7 @@
               <a:t>The ideal </a:t>
             </a:r>
             <a:r>
-              <a:rPr lang="en-US" sz="2000" b="1" i="1" dirty="0">
+              <a:rPr lang="en-US" sz="2000" dirty="0">
                 <a:solidFill>
                   <a:srgbClr val="FF0000"/>
                 </a:solidFill>
@@ -5629,7 +5653,7 @@
               <a:t>With Pthreads, we can implement this mechanism using a </a:t>
             </a:r>
             <a:r>
-              <a:rPr lang="en-US" sz="2000" b="1" i="1" dirty="0">
+              <a:rPr lang="en-US" sz="2000" dirty="0">
                 <a:solidFill>
                   <a:srgbClr val="FF0000"/>
                 </a:solidFill>
@@ -5895,7 +5919,7 @@
                   <a:schemeClr val="accent1"/>
                 </a:solidFill>
               </a:rPr>
-              <a:t>Additional Features of the Pthreads Library</a:t>
+              <a:t> Additional Features of the Pthreads Library</a:t>
             </a:r>
           </a:p>
           <a:p>
@@ -6030,7 +6054,7 @@
               <a:t>A more specialized producer-consumer relationship uses a technique known as </a:t>
             </a:r>
             <a:r>
-              <a:rPr lang="en-US" sz="2000" b="1" i="1" dirty="0">
+              <a:rPr lang="en-US" sz="2000" dirty="0">
                 <a:solidFill>
                   <a:srgbClr val="FF0000"/>
                 </a:solidFill>
@@ -6068,7 +6092,7 @@
               <a:t>In the figure, one set of buffers contains </a:t>
             </a:r>
             <a:r>
-              <a:rPr lang="en-US" sz="2000" b="1" i="1" dirty="0">
+              <a:rPr lang="en-US" sz="2000" dirty="0">
                 <a:solidFill>
                   <a:srgbClr val="FF0000"/>
                 </a:solidFill>
@@ -6084,7 +6108,7 @@
               <a:t>and another set contains </a:t>
             </a:r>
             <a:r>
-              <a:rPr lang="en-US" sz="2000" b="1" i="1" dirty="0">
+              <a:rPr lang="en-US" sz="2000" dirty="0">
                 <a:solidFill>
                   <a:srgbClr val="FF0000"/>
                 </a:solidFill>
@@ -6325,7 +6349,7 @@
               <a:t>In the second half of the lecture, we will discuss the following </a:t>
             </a:r>
             <a:r>
-              <a:rPr lang="en-US" sz="2000" b="1" i="1" dirty="0">
+              <a:rPr lang="en-US" sz="2000" dirty="0">
                 <a:solidFill>
                   <a:srgbClr val="FF0000"/>
                 </a:solidFill>
@@ -6447,8 +6471,8 @@
           </a:p>
         </p:txBody>
       </p:sp>
-      <mc:AlternateContent xmlns:mc="http://schemas.openxmlformats.org/markup-compatibility/2006" xmlns:a14="http://schemas.microsoft.com/office/drawing/2010/main">
-        <mc:Choice Requires="a14">
+      <mc:AlternateContent xmlns:mc="http://schemas.openxmlformats.org/markup-compatibility/2006">
+        <mc:Choice xmlns:a14="http://schemas.microsoft.com/office/drawing/2010/main" Requires="a14">
           <p:sp>
             <p:nvSpPr>
               <p:cNvPr id="3" name="Content Placeholder 2">
@@ -6484,7 +6508,7 @@
                   <a:t>Threads have certain properties, called </a:t>
                 </a:r>
                 <a:r>
-                  <a:rPr lang="en-US" sz="2000" b="1" i="1" dirty="0">
+                  <a:rPr lang="en-US" sz="2000" dirty="0">
                     <a:solidFill>
                       <a:srgbClr val="FF0000"/>
                     </a:solidFill>
@@ -6497,7 +6521,23 @@
                       <a:schemeClr val="accent1"/>
                     </a:solidFill>
                   </a:rPr>
-                  <a:t>, that you can request through the Pthread library.</a:t>
+                  <a:t>, that you can request through the </a:t>
+                </a:r>
+                <a:r>
+                  <a:rPr lang="en-US" sz="2000" dirty="0">
+                    <a:solidFill>
+                      <a:srgbClr val="00B050"/>
+                    </a:solidFill>
+                  </a:rPr>
+                  <a:t>Pthread library</a:t>
+                </a:r>
+                <a:r>
+                  <a:rPr lang="en-US" sz="2000" dirty="0">
+                    <a:solidFill>
+                      <a:schemeClr val="accent1"/>
+                    </a:solidFill>
+                  </a:rPr>
+                  <a:t>.</a:t>
                 </a:r>
               </a:p>
               <a:p>
@@ -6510,7 +6550,23 @@
                       <a:schemeClr val="accent1"/>
                     </a:solidFill>
                   </a:rPr>
-                  <a:t>The Pthread standard defines attributes that determine the following characteristics of any given thread:</a:t>
+                  <a:t>The </a:t>
+                </a:r>
+                <a:r>
+                  <a:rPr lang="en-US" sz="2000" dirty="0">
+                    <a:solidFill>
+                      <a:srgbClr val="00B050"/>
+                    </a:solidFill>
+                  </a:rPr>
+                  <a:t>Pthread standard </a:t>
+                </a:r>
+                <a:r>
+                  <a:rPr lang="en-US" sz="2000" dirty="0">
+                    <a:solidFill>
+                      <a:schemeClr val="accent1"/>
+                    </a:solidFill>
+                  </a:rPr>
+                  <a:t>defines attributes that determine the following characteristics of any given thread:</a:t>
                 </a:r>
               </a:p>
               <a:p>
@@ -6524,7 +6580,7 @@
                   <a:t>Whether the thread is </a:t>
                 </a:r>
                 <a:r>
-                  <a:rPr lang="en-US" sz="2000" b="1" i="1" dirty="0">
+                  <a:rPr lang="en-US" sz="2000" dirty="0">
                     <a:solidFill>
                       <a:srgbClr val="FF0000"/>
                     </a:solidFill>
@@ -6540,7 +6596,7 @@
                   <a:t> or </a:t>
                 </a:r>
                 <a:r>
-                  <a:rPr lang="en-US" sz="2000" b="1" i="1" dirty="0">
+                  <a:rPr lang="en-US" sz="2000" dirty="0">
                     <a:solidFill>
                       <a:srgbClr val="FF0000"/>
                     </a:solidFill>
@@ -6578,7 +6634,7 @@
                   <a:t>Size of the thread’s </a:t>
                 </a:r>
                 <a:r>
-                  <a:rPr lang="en-US" sz="2000" b="1" i="1" dirty="0">
+                  <a:rPr lang="en-US" sz="2000" dirty="0">
                     <a:solidFill>
                       <a:srgbClr val="FF0000"/>
                     </a:solidFill>
@@ -6691,10 +6747,18 @@
                 <a:r>
                   <a:rPr lang="en-US" dirty="0">
                     <a:solidFill>
+                      <a:srgbClr val="00B050"/>
+                    </a:solidFill>
+                  </a:rPr>
+                  <a:t>compile-time constant </a:t>
+                </a:r>
+                <a:r>
+                  <a:rPr lang="en-US" dirty="0">
+                    <a:solidFill>
                       <a:schemeClr val="accent1"/>
                     </a:solidFill>
                   </a:rPr>
-                  <a:t>compile-time constant is defined.</a:t>
+                  <a:t>is defined.</a:t>
                 </a:r>
               </a:p>
               <a:p>
@@ -6708,7 +6772,7 @@
                   <a:t>Location of the thread’s </a:t>
                 </a:r>
                 <a:r>
-                  <a:rPr lang="en-US" sz="2000" b="1" i="1" dirty="0">
+                  <a:rPr lang="en-US" sz="2000" dirty="0">
                     <a:solidFill>
                       <a:srgbClr val="FF0000"/>
                     </a:solidFill>
@@ -6821,10 +6885,18 @@
                 <a:r>
                   <a:rPr lang="en-US" dirty="0">
                     <a:solidFill>
+                      <a:srgbClr val="00B050"/>
+                    </a:solidFill>
+                  </a:rPr>
+                  <a:t>compile-time constant </a:t>
+                </a:r>
+                <a:r>
+                  <a:rPr lang="en-US" dirty="0">
+                    <a:solidFill>
                       <a:schemeClr val="accent1"/>
                     </a:solidFill>
                   </a:rPr>
-                  <a:t>compile-time constant is defined.</a:t>
+                  <a:t>is defined.</a:t>
                 </a:r>
               </a:p>
               <a:p>
@@ -6838,7 +6910,7 @@
             </p:txBody>
           </p:sp>
         </mc:Choice>
-        <mc:Fallback xmlns="">
+        <mc:Fallback>
           <p:sp>
             <p:nvSpPr>
               <p:cNvPr id="3" name="Content Placeholder 2">
@@ -6859,7 +6931,7 @@
               <a:blipFill>
                 <a:blip r:embed="rId2"/>
                 <a:stretch>
-                  <a:fillRect l="-638" t="-1401" r="-116"/>
+                  <a:fillRect l="-638" t="-1401"/>
                 </a:stretch>
               </a:blipFill>
             </p:spPr>
@@ -6941,8 +7013,8 @@
           </a:p>
         </p:txBody>
       </p:sp>
-      <mc:AlternateContent xmlns:mc="http://schemas.openxmlformats.org/markup-compatibility/2006" xmlns:a14="http://schemas.microsoft.com/office/drawing/2010/main">
-        <mc:Choice Requires="a14">
+      <mc:AlternateContent xmlns:mc="http://schemas.openxmlformats.org/markup-compatibility/2006">
+        <mc:Choice xmlns:a14="http://schemas.microsoft.com/office/drawing/2010/main" Requires="a14">
           <p:sp>
             <p:nvSpPr>
               <p:cNvPr id="3" name="Content Placeholder 2">
@@ -6978,7 +7050,7 @@
                   <a:t>As we mentioned in the last lecture, a thread is created with a set of </a:t>
                 </a:r>
                 <a:r>
-                  <a:rPr lang="en-US" sz="2000" b="1" i="1" dirty="0">
+                  <a:rPr lang="en-US" sz="2000" dirty="0">
                     <a:solidFill>
                       <a:srgbClr val="FF0000"/>
                     </a:solidFill>
@@ -7335,7 +7407,7 @@
             </p:txBody>
           </p:sp>
         </mc:Choice>
-        <mc:Fallback xmlns="">
+        <mc:Fallback>
           <p:sp>
             <p:nvSpPr>
               <p:cNvPr id="3" name="Content Placeholder 2">
@@ -7472,12 +7544,20 @@
               <a:t>A thread uses its </a:t>
             </a:r>
             <a:r>
+              <a:rPr lang="en-US" sz="2000" dirty="0">
+                <a:solidFill>
+                  <a:srgbClr val="FF0000"/>
+                </a:solidFill>
+              </a:rPr>
+              <a:t>stack</a:t>
+            </a:r>
+            <a:r>
               <a:rPr lang="en-US" sz="2000" b="1" i="1" dirty="0">
                 <a:solidFill>
                   <a:srgbClr val="FF0000"/>
                 </a:solidFill>
               </a:rPr>
-              <a:t>stack </a:t>
+              <a:t> </a:t>
             </a:r>
             <a:r>
               <a:rPr lang="en-US" sz="2000" dirty="0">
@@ -7514,7 +7594,7 @@
               <a:buNone/>
             </a:pPr>
             <a:r>
-              <a:rPr lang="en-US" sz="2000" b="1" i="1" dirty="0">
+              <a:rPr lang="en-US" sz="2000" dirty="0">
                 <a:solidFill>
                   <a:srgbClr val="FF0000"/>
                 </a:solidFill>
@@ -7695,7 +7775,7 @@
               <a:t>With a </a:t>
             </a:r>
             <a:r>
-              <a:rPr lang="en-US" sz="2000" b="1" i="1" dirty="0">
+              <a:rPr lang="en-US" sz="2000" dirty="0">
                 <a:solidFill>
                   <a:srgbClr val="FF0000"/>
                 </a:solidFill>
@@ -7745,7 +7825,7 @@
               <a:t>With </a:t>
             </a:r>
             <a:r>
-              <a:rPr lang="en-US" sz="2000" b="1" i="1" dirty="0">
+              <a:rPr lang="en-US" sz="2000" dirty="0">
                 <a:solidFill>
                   <a:srgbClr val="FF0000"/>
                 </a:solidFill>
@@ -7994,7 +8074,7 @@
               <a:t>e can </a:t>
             </a:r>
             <a:r>
-              <a:rPr lang="en-US" sz="2000" b="1" i="1" dirty="0">
+              <a:rPr lang="en-US" sz="2000" dirty="0">
                 <a:solidFill>
                   <a:srgbClr val="FF0000"/>
                 </a:solidFill>
@@ -8012,7 +8092,7 @@
               <a:t> and </a:t>
             </a:r>
             <a:r>
-              <a:rPr lang="en-US" sz="2000" b="1" i="1" dirty="0">
+              <a:rPr lang="en-US" sz="2000" dirty="0">
                 <a:solidFill>
                   <a:srgbClr val="FF0000"/>
                 </a:solidFill>
@@ -8030,7 +8110,7 @@
               <a:t> the size of the stack of the </a:t>
             </a:r>
             <a:r>
-              <a:rPr lang="en-US" sz="2000" b="1" i="1" dirty="0">
+              <a:rPr lang="en-US" sz="2000" dirty="0">
                 <a:solidFill>
                   <a:srgbClr val="FF0000"/>
                 </a:solidFill>
@@ -8270,36 +8350,39 @@
                   <a:schemeClr val="accent1"/>
                 </a:solidFill>
               </a:rPr>
-              <a:t>There is no set rule for threading a program.</a:t>
-            </a:r>
-          </a:p>
-          <a:p>
-            <a:pPr marL="0" indent="0">
-              <a:buNone/>
-            </a:pPr>
-            <a:r>
-              <a:rPr lang="en-US" sz="2000" dirty="0">
-                <a:solidFill>
-                  <a:schemeClr val="accent1"/>
-                </a:solidFill>
-              </a:rPr>
-              <a:t>However, the following three</a:t>
+              <a:t>The following </a:t>
+            </a:r>
+            <a:r>
+              <a:rPr lang="en-US" sz="2000" dirty="0">
+                <a:solidFill>
+                  <a:srgbClr val="00B050"/>
+                </a:solidFill>
+              </a:rPr>
+              <a:t>three</a:t>
             </a:r>
             <a:r>
               <a:rPr lang="en-US" sz="2000" b="1" i="1" dirty="0">
                 <a:solidFill>
+                  <a:srgbClr val="00B050"/>
+                </a:solidFill>
+              </a:rPr>
+              <a:t> </a:t>
+            </a:r>
+            <a:r>
+              <a:rPr lang="en-US" sz="2000" dirty="0">
+                <a:solidFill>
                   <a:srgbClr val="FF0000"/>
                 </a:solidFill>
               </a:rPr>
-              <a:t> </a:t>
-            </a:r>
-            <a:r>
-              <a:rPr lang="en-US" sz="2000" dirty="0">
-                <a:solidFill>
-                  <a:schemeClr val="accent1"/>
-                </a:solidFill>
-              </a:rPr>
-              <a:t>models are ones that are commonly used to thread programs:</a:t>
+              <a:t>threading models </a:t>
+            </a:r>
+            <a:r>
+              <a:rPr lang="en-US" sz="2000" dirty="0">
+                <a:solidFill>
+                  <a:schemeClr val="accent1"/>
+                </a:solidFill>
+              </a:rPr>
+              <a:t>are ones that are commonly used to thread programs:</a:t>
             </a:r>
           </a:p>
           <a:p>
@@ -8315,9 +8398,9 @@
           <a:p>
             <a:pPr lvl="1"/>
             <a:r>
-              <a:rPr lang="en-US" sz="2000" b="1" i="1" dirty="0">
-                <a:solidFill>
-                  <a:srgbClr val="FF0000"/>
+              <a:rPr lang="en-US" sz="2000" dirty="0">
+                <a:solidFill>
+                  <a:schemeClr val="accent1"/>
                 </a:solidFill>
               </a:rPr>
               <a:t>The Boss-Worker Model</a:t>
@@ -8327,18 +8410,18 @@
             <a:pPr marL="457200" lvl="1" indent="0">
               <a:buNone/>
             </a:pPr>
-            <a:endParaRPr lang="en-US" sz="2000" b="1" i="1" dirty="0">
+            <a:endParaRPr lang="en-US" sz="2000" dirty="0">
               <a:solidFill>
-                <a:srgbClr val="FF0000"/>
+                <a:schemeClr val="accent1"/>
               </a:solidFill>
             </a:endParaRPr>
           </a:p>
           <a:p>
             <a:pPr lvl="1"/>
             <a:r>
-              <a:rPr lang="en-US" sz="2000" b="1" i="1" dirty="0">
-                <a:solidFill>
-                  <a:srgbClr val="FF0000"/>
+              <a:rPr lang="en-US" sz="2000" dirty="0">
+                <a:solidFill>
+                  <a:schemeClr val="accent1"/>
                 </a:solidFill>
               </a:rPr>
               <a:t>The Peer Model</a:t>
@@ -8346,18 +8429,18 @@
           </a:p>
           <a:p>
             <a:pPr lvl="1"/>
-            <a:endParaRPr lang="en-US" sz="2000" b="1" i="1" dirty="0">
+            <a:endParaRPr lang="en-US" sz="2000" dirty="0">
               <a:solidFill>
-                <a:srgbClr val="FF0000"/>
+                <a:schemeClr val="accent1"/>
               </a:solidFill>
             </a:endParaRPr>
           </a:p>
           <a:p>
             <a:pPr lvl="1"/>
             <a:r>
-              <a:rPr lang="en-US" sz="2000" b="1" i="1" dirty="0">
-                <a:solidFill>
-                  <a:srgbClr val="FF0000"/>
+              <a:rPr lang="en-US" sz="2000" dirty="0">
+                <a:solidFill>
+                  <a:schemeClr val="accent1"/>
                 </a:solidFill>
               </a:rPr>
               <a:t>The Pipeline model</a:t>
@@ -8431,8 +8514,8 @@
           </a:p>
         </p:txBody>
       </p:sp>
-      <mc:AlternateContent xmlns:mc="http://schemas.openxmlformats.org/markup-compatibility/2006" xmlns:a14="http://schemas.microsoft.com/office/drawing/2010/main">
-        <mc:Choice Requires="a14">
+      <mc:AlternateContent xmlns:mc="http://schemas.openxmlformats.org/markup-compatibility/2006">
+        <mc:Choice xmlns:a14="http://schemas.microsoft.com/office/drawing/2010/main" Requires="a14">
           <p:sp>
             <p:nvSpPr>
               <p:cNvPr id="3" name="Content Placeholder 2">
@@ -8646,7 +8729,7 @@
                   <a:t>Note that </a:t>
                 </a:r>
                 <a:r>
-                  <a:rPr lang="en-US" sz="2000" b="1" i="1" dirty="0">
+                  <a:rPr lang="en-US" sz="2000" dirty="0">
                     <a:solidFill>
                       <a:srgbClr val="FF0000"/>
                     </a:solidFill>
@@ -8662,7 +8745,7 @@
                   <a:t>that were created using this object are </a:t>
                 </a:r>
                 <a:r>
-                  <a:rPr lang="en-US" sz="2000" b="1" i="1" dirty="0">
+                  <a:rPr lang="en-US" sz="2000" dirty="0">
                     <a:solidFill>
                       <a:srgbClr val="FF0000"/>
                     </a:solidFill>
@@ -8681,7 +8764,7 @@
             </p:txBody>
           </p:sp>
         </mc:Choice>
-        <mc:Fallback xmlns="">
+        <mc:Fallback>
           <p:sp>
             <p:nvSpPr>
               <p:cNvPr id="3" name="Content Placeholder 2">
@@ -8783,8 +8866,8 @@
           </a:p>
         </p:txBody>
       </p:sp>
-      <mc:AlternateContent xmlns:mc="http://schemas.openxmlformats.org/markup-compatibility/2006" xmlns:a14="http://schemas.microsoft.com/office/drawing/2010/main">
-        <mc:Choice Requires="a14">
+      <mc:AlternateContent xmlns:mc="http://schemas.openxmlformats.org/markup-compatibility/2006">
+        <mc:Choice xmlns:a14="http://schemas.microsoft.com/office/drawing/2010/main" Requires="a14">
           <p:sp>
             <p:nvSpPr>
               <p:cNvPr id="3" name="Content Placeholder 2">
@@ -8820,7 +8903,7 @@
                   <a:t>Sometimes, a multithreaded application wants to make sure that some initialization occurs </a:t>
                 </a:r>
                 <a:r>
-                  <a:rPr lang="en-US" sz="2000" b="1" i="1" dirty="0">
+                  <a:rPr lang="en-US" sz="2000" dirty="0">
                     <a:solidFill>
                       <a:srgbClr val="FF0000"/>
                     </a:solidFill>
@@ -8949,7 +9032,7 @@
                   <a:t>However, in a </a:t>
                 </a:r>
                 <a:r>
-                  <a:rPr lang="en-US" sz="2000" b="1" i="1" dirty="0">
+                  <a:rPr lang="en-US" sz="2000" dirty="0">
                     <a:solidFill>
                       <a:srgbClr val="FF0000"/>
                     </a:solidFill>
@@ -8979,7 +9062,7 @@
             </p:txBody>
           </p:sp>
         </mc:Choice>
-        <mc:Fallback xmlns="">
+        <mc:Fallback>
           <p:sp>
             <p:nvSpPr>
               <p:cNvPr id="3" name="Content Placeholder 2">
@@ -9117,20 +9200,12 @@
               <a:t>Let’s walk through a scenario to illustrate the point of the </a:t>
             </a:r>
             <a:r>
-              <a:rPr lang="en-US" sz="2000" b="1" i="1" dirty="0">
+              <a:rPr lang="en-US" sz="2000" dirty="0">
                 <a:solidFill>
                   <a:srgbClr val="FF0000"/>
                 </a:solidFill>
               </a:rPr>
-              <a:t>one-time initiali</a:t>
-            </a:r>
-            <a:r>
-              <a:rPr lang="en-US" sz="2000" b="1" dirty="0">
-                <a:solidFill>
-                  <a:srgbClr val="FF0000"/>
-                </a:solidFill>
-              </a:rPr>
-              <a:t>zation</a:t>
+              <a:t>one-time initialization</a:t>
             </a:r>
             <a:r>
               <a:rPr lang="en-US" sz="2000" dirty="0">
@@ -9417,8 +9492,8 @@
           </a:p>
         </p:txBody>
       </p:sp>
-      <mc:AlternateContent xmlns:mc="http://schemas.openxmlformats.org/markup-compatibility/2006" xmlns:a14="http://schemas.microsoft.com/office/drawing/2010/main">
-        <mc:Choice Requires="a14">
+      <mc:AlternateContent xmlns:mc="http://schemas.openxmlformats.org/markup-compatibility/2006">
+        <mc:Choice xmlns:a14="http://schemas.microsoft.com/office/drawing/2010/main" Requires="a14">
           <p:sp>
             <p:nvSpPr>
               <p:cNvPr id="3" name="Content Placeholder 2">
@@ -9502,9 +9577,9 @@
                   <a:t>flag is </a:t>
                 </a:r>
                 <a:r>
-                  <a:rPr lang="en-US" sz="2000" b="1" i="1" dirty="0">
-                    <a:solidFill>
-                      <a:srgbClr val="FF0000"/>
+                  <a:rPr lang="en-US" sz="2000" dirty="0">
+                    <a:solidFill>
+                      <a:srgbClr val="00B050"/>
                     </a:solidFill>
                   </a:rPr>
                   <a:t>FALSE</a:t>
@@ -9632,9 +9707,9 @@
                   <a:t>) and sets the flag to </a:t>
                 </a:r>
                 <a:r>
-                  <a:rPr lang="en-US" sz="2000" b="1" i="1" dirty="0">
-                    <a:solidFill>
-                      <a:srgbClr val="FF0000"/>
+                  <a:rPr lang="en-US" sz="2000" dirty="0">
+                    <a:solidFill>
+                      <a:srgbClr val="00B050"/>
                     </a:solidFill>
                   </a:rPr>
                   <a:t>TRUE</a:t>
@@ -9671,7 +9746,7 @@
                   <a:t>If we allow </a:t>
                 </a:r>
                 <a:r>
-                  <a:rPr lang="en-US" sz="2000" b="1" i="1" dirty="0">
+                  <a:rPr lang="en-US" sz="2000" dirty="0">
                     <a:solidFill>
                       <a:srgbClr val="FF0000"/>
                     </a:solidFill>
@@ -9735,7 +9810,7 @@
                   <a:t> </a:t>
                 </a:r>
                 <a:r>
-                  <a:rPr lang="en-US" sz="2000" b="1" i="1" dirty="0">
+                  <a:rPr lang="en-US" sz="2000" dirty="0">
                     <a:solidFill>
                       <a:srgbClr val="FF0000"/>
                     </a:solidFill>
@@ -9751,9 +9826,9 @@
                   <a:t>,  we introduce a </a:t>
                 </a:r>
                 <a:r>
-                  <a:rPr lang="en-US" sz="2000" b="1" i="1" dirty="0">
-                    <a:solidFill>
-                      <a:srgbClr val="FF0000"/>
+                  <a:rPr lang="en-US" sz="2000" dirty="0">
+                    <a:solidFill>
+                      <a:srgbClr val="00B050"/>
                     </a:solidFill>
                   </a:rPr>
                   <a:t>data race </a:t>
@@ -9896,12 +9971,20 @@
                   <a:t>Threads </a:t>
                 </a:r>
                 <a:r>
+                  <a:rPr lang="en-US" sz="2000" dirty="0">
+                    <a:solidFill>
+                      <a:srgbClr val="FF0000"/>
+                    </a:solidFill>
+                  </a:rPr>
+                  <a:t>A</a:t>
+                </a:r>
+                <a:r>
                   <a:rPr lang="en-US" sz="2000" b="1" i="1" dirty="0">
                     <a:solidFill>
                       <a:srgbClr val="FF0000"/>
                     </a:solidFill>
                   </a:rPr>
-                  <a:t>A </a:t>
+                  <a:t> </a:t>
                 </a:r>
                 <a:r>
                   <a:rPr lang="en-US" sz="2000" dirty="0">
@@ -9912,7 +9995,7 @@
                   <a:t>and </a:t>
                 </a:r>
                 <a:r>
-                  <a:rPr lang="en-US" sz="2000" b="1" i="1" dirty="0">
+                  <a:rPr lang="en-US" sz="2000" dirty="0">
                     <a:solidFill>
                       <a:srgbClr val="FF0000"/>
                     </a:solidFill>
@@ -9938,7 +10021,7 @@
                   <a:t>Thread </a:t>
                 </a:r>
                 <a:r>
-                  <a:rPr lang="en-US" sz="2000" b="1" i="1" dirty="0">
+                  <a:rPr lang="en-US" sz="2000" dirty="0">
                     <a:solidFill>
                       <a:srgbClr val="FF0000"/>
                     </a:solidFill>
@@ -10002,9 +10085,9 @@
                   <a:t>and finds </a:t>
                 </a:r>
                 <a:r>
-                  <a:rPr lang="en-US" sz="2000" b="1" i="1" dirty="0">
-                    <a:solidFill>
-                      <a:srgbClr val="FF0000"/>
+                  <a:rPr lang="en-US" sz="2000" dirty="0">
+                    <a:solidFill>
+                      <a:srgbClr val="00B050"/>
                     </a:solidFill>
                   </a:rPr>
                   <a:t>FALSE</a:t>
@@ -10028,7 +10111,7 @@
                   <a:t>Thread </a:t>
                 </a:r>
                 <a:r>
-                  <a:rPr lang="en-US" sz="2000" b="1" i="1" dirty="0">
+                  <a:rPr lang="en-US" sz="2000" dirty="0">
                     <a:solidFill>
                       <a:srgbClr val="FF0000"/>
                     </a:solidFill>
@@ -10044,9 +10127,9 @@
                   <a:t> checks the value and also finds it </a:t>
                 </a:r>
                 <a:r>
-                  <a:rPr lang="en-US" sz="2000" b="1" i="1" dirty="0">
-                    <a:solidFill>
-                      <a:srgbClr val="FF0000"/>
+                  <a:rPr lang="en-US" sz="2000" dirty="0">
+                    <a:solidFill>
+                      <a:srgbClr val="00B050"/>
                     </a:solidFill>
                   </a:rPr>
                   <a:t>FALSE</a:t>
@@ -10121,7 +10204,7 @@
             </p:txBody>
           </p:sp>
         </mc:Choice>
-        <mc:Fallback xmlns="">
+        <mc:Fallback>
           <p:sp>
             <p:nvSpPr>
               <p:cNvPr id="3" name="Content Placeholder 2">
@@ -10142,7 +10225,7 @@
               <a:blipFill>
                 <a:blip r:embed="rId2"/>
                 <a:stretch>
-                  <a:fillRect l="-638" t="-1961"/>
+                  <a:fillRect l="-638" t="-1961" r="-406"/>
                 </a:stretch>
               </a:blipFill>
             </p:spPr>
@@ -10224,8 +10307,8 @@
           </a:p>
         </p:txBody>
       </p:sp>
-      <mc:AlternateContent xmlns:mc="http://schemas.openxmlformats.org/markup-compatibility/2006" xmlns:a14="http://schemas.microsoft.com/office/drawing/2010/main">
-        <mc:Choice Requires="a14">
+      <mc:AlternateContent xmlns:mc="http://schemas.openxmlformats.org/markup-compatibility/2006">
+        <mc:Choice xmlns:a14="http://schemas.microsoft.com/office/drawing/2010/main" Requires="a14">
           <p:sp>
             <p:nvSpPr>
               <p:cNvPr id="3" name="Content Placeholder 2">
@@ -10259,12 +10342,20 @@
                   <a:t>We will consider </a:t>
                 </a:r>
                 <a:r>
-                  <a:rPr lang="en-US" sz="2000" b="1" i="1" dirty="0">
+                  <a:rPr lang="en-US" sz="2000" dirty="0">
+                    <a:solidFill>
+                      <a:srgbClr val="00B050"/>
+                    </a:solidFill>
+                  </a:rPr>
+                  <a:t>two</a:t>
+                </a:r>
+                <a:r>
+                  <a:rPr lang="en-US" sz="2000" dirty="0">
                     <a:solidFill>
                       <a:srgbClr val="FF0000"/>
                     </a:solidFill>
                   </a:rPr>
-                  <a:t>two possible solutions</a:t>
+                  <a:t> possible solutions</a:t>
                 </a:r>
                 <a:r>
                   <a:rPr lang="en-US" sz="2000" dirty="0">
@@ -10407,12 +10498,20 @@
                   <a:t>Designating that the entire routine needs special synchronization handling using the </a:t>
                 </a:r>
                 <a:r>
+                  <a:rPr lang="en-US" sz="2000" dirty="0">
+                    <a:solidFill>
+                      <a:srgbClr val="FF0000"/>
+                    </a:solidFill>
+                  </a:rPr>
+                  <a:t>One-Time Initialization</a:t>
+                </a:r>
+                <a:r>
                   <a:rPr lang="en-US" sz="2000" b="1" i="1" dirty="0">
                     <a:solidFill>
                       <a:srgbClr val="FF0000"/>
                     </a:solidFill>
                   </a:rPr>
-                  <a:t>One-Time Initialization </a:t>
+                  <a:t> </a:t>
                 </a:r>
                 <a:r>
                   <a:rPr lang="en-US" sz="2000" dirty="0">
@@ -10432,7 +10531,7 @@
             </p:txBody>
           </p:sp>
         </mc:Choice>
-        <mc:Fallback xmlns="">
+        <mc:Fallback>
           <p:sp>
             <p:nvSpPr>
               <p:cNvPr id="3" name="Content Placeholder 2">
@@ -10562,7 +10661,7 @@
               <a:buNone/>
             </a:pPr>
             <a:r>
-              <a:rPr lang="en-US" sz="2000" b="1" i="1" u="sng" dirty="0">
+              <a:rPr lang="en-US" sz="2000" u="sng" dirty="0">
                 <a:solidFill>
                   <a:srgbClr val="FF0000"/>
                 </a:solidFill>
@@ -10570,7 +10669,7 @@
               <a:t>Statically Initialized Mutex</a:t>
             </a:r>
             <a:r>
-              <a:rPr lang="en-US" sz="2000" b="1" i="1" dirty="0">
+              <a:rPr lang="en-US" sz="2000" dirty="0">
                 <a:solidFill>
                   <a:srgbClr val="FF0000"/>
                 </a:solidFill>
@@ -10708,7 +10807,7 @@
               <a:buNone/>
             </a:pPr>
             <a:r>
-              <a:rPr lang="en-US" sz="2000" b="1" i="1" u="sng" dirty="0">
+              <a:rPr lang="en-US" sz="2000" u="sng" dirty="0">
                 <a:solidFill>
                   <a:srgbClr val="FF0000"/>
                 </a:solidFill>
@@ -10716,7 +10815,7 @@
               <a:t>One-Time Initialization Mechanism</a:t>
             </a:r>
             <a:r>
-              <a:rPr lang="en-US" sz="2000" b="1" i="1" dirty="0">
+              <a:rPr lang="en-US" sz="2000" dirty="0">
                 <a:solidFill>
                   <a:srgbClr val="FF0000"/>
                 </a:solidFill>
@@ -10855,8 +10954,8 @@
           </a:p>
         </p:txBody>
       </p:sp>
-      <mc:AlternateContent xmlns:mc="http://schemas.openxmlformats.org/markup-compatibility/2006" xmlns:a14="http://schemas.microsoft.com/office/drawing/2010/main">
-        <mc:Choice Requires="a14">
+      <mc:AlternateContent xmlns:mc="http://schemas.openxmlformats.org/markup-compatibility/2006">
+        <mc:Choice xmlns:a14="http://schemas.microsoft.com/office/drawing/2010/main" Requires="a14">
           <p:sp>
             <p:nvSpPr>
               <p:cNvPr id="3" name="Content Placeholder 2">
@@ -10981,7 +11080,7 @@
                   <a:t>No matter how many times it is invoked by one or more threads, the routine will be executed only once by its </a:t>
                 </a:r>
                 <a:r>
-                  <a:rPr lang="en-US" sz="2000" b="1" i="1" dirty="0">
+                  <a:rPr lang="en-US" sz="2000" dirty="0">
                     <a:solidFill>
                       <a:srgbClr val="FF0000"/>
                     </a:solidFill>
@@ -11092,7 +11191,7 @@
                   <a:t>you must declare a variable known as a </a:t>
                 </a:r>
                 <a:r>
-                  <a:rPr lang="en-US" sz="2000" b="1" i="1" dirty="0">
+                  <a:rPr lang="en-US" sz="2000" dirty="0">
                     <a:solidFill>
                       <a:srgbClr val="FF0000"/>
                     </a:solidFill>
@@ -11147,7 +11246,23 @@
                       <a:schemeClr val="accent1"/>
                     </a:solidFill>
                   </a:rPr>
-                  <a:t>), and you must statically initialize it to the value </a:t>
+                  <a:t>), and you must </a:t>
+                </a:r>
+                <a:r>
+                  <a:rPr lang="en-US" sz="2000" dirty="0">
+                    <a:solidFill>
+                      <a:srgbClr val="00B050"/>
+                    </a:solidFill>
+                  </a:rPr>
+                  <a:t>statically initialize </a:t>
+                </a:r>
+                <a:r>
+                  <a:rPr lang="en-US" sz="2000" dirty="0">
+                    <a:solidFill>
+                      <a:schemeClr val="accent1"/>
+                    </a:solidFill>
+                  </a:rPr>
+                  <a:t>it to the value </a:t>
                 </a:r>
                 <a14:m>
                   <m:oMath xmlns:m="http://schemas.openxmlformats.org/officeDocument/2006/math">
@@ -11203,7 +11318,7 @@
                   <a:t>The Pthreads library uses a </a:t>
                 </a:r>
                 <a:r>
-                  <a:rPr lang="en-US" sz="2000" b="1" i="1" dirty="0">
+                  <a:rPr lang="en-US" sz="2000" dirty="0">
                     <a:solidFill>
                       <a:srgbClr val="FF0000"/>
                     </a:solidFill>
@@ -11257,7 +11372,23 @@
                       <a:schemeClr val="accent1"/>
                     </a:solidFill>
                   </a:rPr>
-                  <a:t>Note that we are statically initializing the once block to the </a:t>
+                  <a:t>Note that we are </a:t>
+                </a:r>
+                <a:r>
+                  <a:rPr lang="en-US" sz="2000" dirty="0">
+                    <a:solidFill>
+                      <a:srgbClr val="00B050"/>
+                    </a:solidFill>
+                  </a:rPr>
+                  <a:t>statically initializing </a:t>
+                </a:r>
+                <a:r>
+                  <a:rPr lang="en-US" sz="2000" dirty="0">
+                    <a:solidFill>
+                      <a:schemeClr val="accent1"/>
+                    </a:solidFill>
+                  </a:rPr>
+                  <a:t>the once block to the </a:t>
                 </a:r>
                 <a14:m>
                   <m:oMath xmlns:m="http://schemas.openxmlformats.org/officeDocument/2006/math">
@@ -11305,7 +11436,7 @@
             </p:txBody>
           </p:sp>
         </mc:Choice>
-        <mc:Fallback xmlns="">
+        <mc:Fallback>
           <p:sp>
             <p:nvSpPr>
               <p:cNvPr id="3" name="Content Placeholder 2">
@@ -11408,8 +11539,8 @@
           </a:p>
         </p:txBody>
       </p:sp>
-      <mc:AlternateContent xmlns:mc="http://schemas.openxmlformats.org/markup-compatibility/2006" xmlns:a14="http://schemas.microsoft.com/office/drawing/2010/main">
-        <mc:Choice Requires="a14">
+      <mc:AlternateContent xmlns:mc="http://schemas.openxmlformats.org/markup-compatibility/2006">
+        <mc:Choice xmlns:a14="http://schemas.microsoft.com/office/drawing/2010/main" Requires="a14">
           <p:sp>
             <p:nvSpPr>
               <p:cNvPr id="3" name="Content Placeholder 2">
@@ -11445,7 +11576,7 @@
                   <a:t>You can declare </a:t>
                 </a:r>
                 <a:r>
-                  <a:rPr lang="en-US" sz="2000" b="1" i="1" dirty="0">
+                  <a:rPr lang="en-US" sz="2000" dirty="0">
                     <a:solidFill>
                       <a:srgbClr val="FF0000"/>
                     </a:solidFill>
@@ -11579,7 +11710,7 @@
                   <a:t>call, using the </a:t>
                 </a:r>
                 <a:r>
-                  <a:rPr lang="en-US" sz="2000" b="1" i="1" dirty="0">
+                  <a:rPr lang="en-US" sz="2000" dirty="0">
                     <a:solidFill>
                       <a:srgbClr val="FF0000"/>
                     </a:solidFill>
@@ -11751,7 +11882,7 @@
             </p:txBody>
           </p:sp>
         </mc:Choice>
-        <mc:Fallback xmlns="">
+        <mc:Fallback>
           <p:sp>
             <p:nvSpPr>
               <p:cNvPr id="3" name="Content Placeholder 2">
@@ -11979,7 +12110,7 @@
               <a:t>There are other </a:t>
             </a:r>
             <a:r>
-              <a:rPr lang="en-US" sz="2000" b="1" i="1" dirty="0">
+              <a:rPr lang="en-US" sz="2000" dirty="0">
                 <a:solidFill>
                   <a:srgbClr val="FF0000"/>
                 </a:solidFill>
@@ -12213,7 +12344,7 @@
               <a:t>[1] </a:t>
             </a:r>
             <a:r>
-              <a:rPr lang="en-US" sz="2000" b="0" dirty="0">
+              <a:rPr lang="en-US" sz="2000" b="0" i="1" dirty="0">
                 <a:solidFill>
                   <a:schemeClr val="accent1"/>
                 </a:solidFill>
@@ -12222,7 +12353,7 @@
               <a:t>Bradford Nichols, Dick </a:t>
             </a:r>
             <a:r>
-              <a:rPr lang="en-US" sz="2000" b="0" dirty="0" err="1">
+              <a:rPr lang="en-US" sz="2000" b="0" i="1" dirty="0" err="1">
                 <a:solidFill>
                   <a:schemeClr val="accent1"/>
                 </a:solidFill>
@@ -12231,7 +12362,7 @@
               <a:t>Buttlar</a:t>
             </a:r>
             <a:r>
-              <a:rPr lang="en-US" sz="2000" b="0" dirty="0">
+              <a:rPr lang="en-US" sz="2000" b="0" i="1" dirty="0">
                 <a:solidFill>
                   <a:schemeClr val="accent1"/>
                 </a:solidFill>
@@ -12239,7 +12370,7 @@
               </a:rPr>
               <a:t>, and Jacqueline Proulx Farrell. 1996. Pthreads programming. O'Reilly &amp; Associates, Inc., USA.</a:t>
             </a:r>
-            <a:endParaRPr lang="en-US" sz="2000" dirty="0">
+            <a:endParaRPr lang="en-US" sz="2000" i="1" dirty="0">
               <a:solidFill>
                 <a:schemeClr val="accent1"/>
               </a:solidFill>
@@ -12316,8 +12447,8 @@
           </a:p>
         </p:txBody>
       </p:sp>
-      <mc:AlternateContent xmlns:mc="http://schemas.openxmlformats.org/markup-compatibility/2006" xmlns:a14="http://schemas.microsoft.com/office/drawing/2010/main">
-        <mc:Choice Requires="a14">
+      <mc:AlternateContent xmlns:mc="http://schemas.openxmlformats.org/markup-compatibility/2006">
+        <mc:Choice xmlns:a14="http://schemas.microsoft.com/office/drawing/2010/main" Requires="a14">
           <p:sp>
             <p:nvSpPr>
               <p:cNvPr id="3" name="Content Placeholder 2">
@@ -12353,7 +12484,7 @@
                   <a:t>A single thread, </a:t>
                 </a:r>
                 <a:r>
-                  <a:rPr lang="en-US" sz="2000" b="1" i="1" dirty="0">
+                  <a:rPr lang="en-US" sz="2000" dirty="0">
                     <a:solidFill>
                       <a:srgbClr val="FF0000"/>
                     </a:solidFill>
@@ -12404,7 +12535,7 @@
                   <a:t>In the pseudo code on the next slide, the boss </a:t>
                 </a:r>
                 <a:r>
-                  <a:rPr lang="en-US" sz="2000" b="1" i="1" dirty="0">
+                  <a:rPr lang="en-US" sz="2000" dirty="0">
                     <a:solidFill>
                       <a:srgbClr val="FF0000"/>
                     </a:solidFill>
@@ -12515,7 +12646,7 @@
             </p:txBody>
           </p:sp>
         </mc:Choice>
-        <mc:Fallback xmlns="">
+        <mc:Fallback>
           <p:sp>
             <p:nvSpPr>
               <p:cNvPr id="3" name="Content Placeholder 2">
@@ -12748,7 +12879,7 @@
               <a:t>Rather than dynamically create worker threads, the boss can alternatively save some </a:t>
             </a:r>
             <a:r>
-              <a:rPr lang="en-US" sz="2000" b="1" i="1" dirty="0">
+              <a:rPr lang="en-US" sz="2000" dirty="0">
                 <a:solidFill>
                   <a:srgbClr val="FF0000"/>
                 </a:solidFill>
@@ -12785,7 +12916,7 @@
               <a:t>This variant of the Boss-Worker model is known as, </a:t>
             </a:r>
             <a:r>
-              <a:rPr lang="en-US" sz="2000" b="1" i="1" dirty="0">
+              <a:rPr lang="en-US" sz="2000" dirty="0">
                 <a:solidFill>
                   <a:srgbClr val="FF0000"/>
                 </a:solidFill>
@@ -12839,7 +12970,7 @@
               <a:t>After being created, each worker immediately suspends itself to a </a:t>
             </a:r>
             <a:r>
-              <a:rPr lang="en-US" sz="2000" b="1" i="1" dirty="0">
+              <a:rPr lang="en-US" sz="2000" dirty="0">
                 <a:solidFill>
                   <a:srgbClr val="FF0000"/>
                 </a:solidFill>
@@ -13060,13 +13191,37 @@
             <a:r>
               <a:rPr lang="en-US" sz="2200" dirty="0">
                 <a:solidFill>
-                  <a:schemeClr val="accent1"/>
-                </a:solidFill>
-              </a:rPr>
-              <a:t>The boss-worker model works well with </a:t>
-            </a:r>
-            <a:r>
-              <a:rPr lang="en-US" sz="2200" b="1" i="1" dirty="0">
+                  <a:srgbClr val="00B050"/>
+                </a:solidFill>
+              </a:rPr>
+              <a:t>The</a:t>
+            </a:r>
+            <a:r>
+              <a:rPr lang="en-US" sz="2200" dirty="0">
+                <a:solidFill>
+                  <a:schemeClr val="accent1"/>
+                </a:solidFill>
+              </a:rPr>
+              <a:t> </a:t>
+            </a:r>
+            <a:r>
+              <a:rPr lang="en-US" sz="2200" dirty="0">
+                <a:solidFill>
+                  <a:srgbClr val="00B050"/>
+                </a:solidFill>
+              </a:rPr>
+              <a:t>boss-worker model </a:t>
+            </a:r>
+            <a:r>
+              <a:rPr lang="en-US" sz="2200" dirty="0">
+                <a:solidFill>
+                  <a:schemeClr val="accent1"/>
+                </a:solidFill>
+              </a:rPr>
+              <a:t>works well with </a:t>
+            </a:r>
+            <a:r>
+              <a:rPr lang="en-US" sz="2200" dirty="0">
                 <a:solidFill>
                   <a:srgbClr val="FF0000"/>
                 </a:solidFill>
@@ -13127,7 +13282,7 @@
               <a:t>In this model, it is important that you </a:t>
             </a:r>
             <a:r>
-              <a:rPr lang="en-US" sz="2200" b="1" i="1" dirty="0">
+              <a:rPr lang="en-US" sz="2200" dirty="0">
                 <a:solidFill>
                   <a:srgbClr val="FF0000"/>
                 </a:solidFill>
